--- a/Week6-Tidying-Data/W6-Tidying Data.pptx
+++ b/Week6-Tidying-Data/W6-Tidying Data.pptx
@@ -768,8 +768,8 @@
         </p:nvSpPr>
         <p:spPr>
           <a:xfrm>
-            <a:off x="381300" y="685800"/>
-            <a:ext cx="6096075" cy="3429000"/>
+            <a:off x="381000" y="685800"/>
+            <a:ext cx="6096000" cy="3429000"/>
           </a:xfrm>
           <a:custGeom>
             <a:avLst/>
@@ -1075,7 +1075,7 @@
         </p:nvSpPr>
         <p:spPr>
           <a:xfrm>
-            <a:off x="381300" y="685800"/>
+            <a:off x="381000" y="685800"/>
             <a:ext cx="6096000" cy="3429000"/>
           </a:xfrm>
           <a:custGeom>
@@ -8719,10 +8719,10 @@
               <a:buNone/>
             </a:pPr>
             <a:r>
-              <a:rPr lang="en-GB"/>
-              <a:t>Importing and Tidying Data</a:t>
-            </a:r>
-            <a:endParaRPr/>
+              <a:rPr lang="en-GB" dirty="0"/>
+              <a:t>Tidying Data</a:t>
+            </a:r>
+            <a:endParaRPr dirty="0"/>
           </a:p>
         </p:txBody>
       </p:sp>
@@ -9489,10 +9489,10 @@
               <a:buAutoNum type="arabicPeriod"/>
             </a:pPr>
             <a:r>
-              <a:rPr lang="en-GB"/>
+              <a:rPr lang="en-GB" dirty="0"/>
               <a:t>Joining Columns</a:t>
             </a:r>
-            <a:endParaRPr/>
+            <a:endParaRPr dirty="0"/>
           </a:p>
           <a:p>
             <a:pPr marL="457200" lvl="0" indent="-342900" algn="l" rtl="0">
@@ -9506,10 +9506,10 @@
               <a:buAutoNum type="arabicPeriod"/>
             </a:pPr>
             <a:r>
-              <a:rPr lang="en-GB"/>
+              <a:rPr lang="en-GB" dirty="0"/>
               <a:t>Separating Columns</a:t>
             </a:r>
-            <a:endParaRPr/>
+            <a:endParaRPr dirty="0"/>
           </a:p>
           <a:p>
             <a:pPr marL="457200" lvl="0" indent="-342900" algn="l" rtl="0">
@@ -9523,10 +9523,10 @@
               <a:buAutoNum type="arabicPeriod"/>
             </a:pPr>
             <a:r>
-              <a:rPr lang="en-GB"/>
+              <a:rPr lang="en-GB" dirty="0"/>
               <a:t>Converting Long format to wide format (vice versa)</a:t>
             </a:r>
-            <a:endParaRPr/>
+            <a:endParaRPr dirty="0"/>
           </a:p>
           <a:p>
             <a:pPr marL="457200" lvl="0" indent="-342900" algn="l" rtl="0">
@@ -9540,10 +9540,10 @@
               <a:buAutoNum type="arabicPeriod"/>
             </a:pPr>
             <a:r>
-              <a:rPr lang="en-GB"/>
-              <a:t>Coercing data (character to number, vice cersa)</a:t>
-            </a:r>
-            <a:endParaRPr/>
+              <a:rPr lang="en-GB" dirty="0"/>
+              <a:t>Coercing data (character to number, vice versa)</a:t>
+            </a:r>
+            <a:endParaRPr dirty="0"/>
           </a:p>
           <a:p>
             <a:pPr marL="457200" lvl="0" indent="-342900" algn="l" rtl="0">
@@ -9557,10 +9557,18 @@
               <a:buAutoNum type="arabicPeriod"/>
             </a:pPr>
             <a:r>
-              <a:rPr lang="en-GB"/>
-              <a:t>Character date to POSIXt data</a:t>
-            </a:r>
-            <a:endParaRPr/>
+              <a:rPr lang="en-GB" dirty="0"/>
+              <a:t>Character date to </a:t>
+            </a:r>
+            <a:r>
+              <a:rPr lang="en-GB" dirty="0" err="1"/>
+              <a:t>POSIXt</a:t>
+            </a:r>
+            <a:r>
+              <a:rPr lang="en-GB" dirty="0"/>
+              <a:t> data</a:t>
+            </a:r>
+            <a:endParaRPr dirty="0"/>
           </a:p>
           <a:p>
             <a:pPr marL="457200" lvl="0" indent="-342900" algn="l" rtl="0">
@@ -9573,7 +9581,7 @@
               <a:buSzPts val="1800"/>
               <a:buAutoNum type="arabicPeriod"/>
             </a:pPr>
-            <a:endParaRPr/>
+            <a:endParaRPr dirty="0"/>
           </a:p>
         </p:txBody>
       </p:sp>
@@ -9679,10 +9687,10 @@
               <a:buNone/>
             </a:pPr>
             <a:r>
-              <a:rPr lang="en-GB"/>
-              <a:t>An Example on long format data</a:t>
-            </a:r>
-            <a:endParaRPr/>
+              <a:rPr lang="en-GB" dirty="0"/>
+              <a:t>An Example on wide format data</a:t>
+            </a:r>
+            <a:endParaRPr dirty="0"/>
           </a:p>
           <a:p>
             <a:pPr marL="457200" lvl="0" indent="0" algn="l" rtl="0">
@@ -9695,10 +9703,10 @@
               <a:buNone/>
             </a:pPr>
             <a:r>
-              <a:rPr lang="en-GB"/>
+              <a:rPr lang="en-GB" dirty="0"/>
               <a:t>##      ozone      wind     temp</a:t>
             </a:r>
-            <a:endParaRPr/>
+            <a:endParaRPr dirty="0"/>
           </a:p>
           <a:p>
             <a:pPr marL="457200" lvl="0" indent="0" algn="l" rtl="0">
@@ -9711,10 +9719,10 @@
               <a:buNone/>
             </a:pPr>
             <a:r>
-              <a:rPr lang="en-GB"/>
+              <a:rPr lang="en-GB" dirty="0"/>
               <a:t>## 1 23.61538 11.622581 65.54839</a:t>
             </a:r>
-            <a:endParaRPr/>
+            <a:endParaRPr dirty="0"/>
           </a:p>
           <a:p>
             <a:pPr marL="457200" lvl="0" indent="0" algn="l" rtl="0">
@@ -9727,10 +9735,10 @@
               <a:buNone/>
             </a:pPr>
             <a:r>
-              <a:rPr lang="en-GB"/>
+              <a:rPr lang="en-GB" dirty="0"/>
               <a:t>## 2 29.44444 10.266667 79.10000</a:t>
             </a:r>
-            <a:endParaRPr/>
+            <a:endParaRPr dirty="0"/>
           </a:p>
           <a:p>
             <a:pPr marL="457200" lvl="0" indent="0" algn="l" rtl="0">
@@ -9743,10 +9751,10 @@
               <a:buNone/>
             </a:pPr>
             <a:r>
-              <a:rPr lang="en-GB"/>
+              <a:rPr lang="en-GB" dirty="0"/>
               <a:t>## 3 59.11538  8.941935 83.90323</a:t>
             </a:r>
-            <a:endParaRPr/>
+            <a:endParaRPr dirty="0"/>
           </a:p>
           <a:p>
             <a:pPr marL="457200" lvl="0" indent="0" algn="l" rtl="0">
@@ -9759,10 +9767,10 @@
               <a:buNone/>
             </a:pPr>
             <a:r>
-              <a:rPr lang="en-GB"/>
+              <a:rPr lang="en-GB" dirty="0"/>
               <a:t>## 4 59.96154  8.793548 83.96774</a:t>
             </a:r>
-            <a:endParaRPr/>
+            <a:endParaRPr dirty="0"/>
           </a:p>
           <a:p>
             <a:pPr marL="0" lvl="0" indent="0" algn="l" rtl="0">
@@ -9774,7 +9782,7 @@
               </a:spcAft>
               <a:buNone/>
             </a:pPr>
-            <a:endParaRPr/>
+            <a:endParaRPr dirty="0"/>
           </a:p>
         </p:txBody>
       </p:sp>
@@ -10099,7 +10107,7 @@
         </p:spPr>
         <p:txBody>
           <a:bodyPr spcFirstLastPara="1" wrap="square" lIns="91425" tIns="91425" rIns="91425" bIns="91425" anchor="t" anchorCtr="0">
-            <a:normAutofit lnSpcReduction="10000"/>
+            <a:normAutofit/>
           </a:bodyPr>
           <a:lstStyle/>
           <a:p>
@@ -10113,10 +10121,18 @@
               <a:buNone/>
             </a:pPr>
             <a:r>
-              <a:rPr lang="en-GB"/>
-              <a:t>library(imputeTS)</a:t>
-            </a:r>
-            <a:endParaRPr/>
+              <a:rPr lang="en-GB" dirty="0"/>
+              <a:t>library(</a:t>
+            </a:r>
+            <a:r>
+              <a:rPr lang="en-GB" dirty="0" err="1"/>
+              <a:t>imputeTS</a:t>
+            </a:r>
+            <a:r>
+              <a:rPr lang="en-GB" dirty="0"/>
+              <a:t>)</a:t>
+            </a:r>
+            <a:endParaRPr dirty="0"/>
           </a:p>
           <a:p>
             <a:pPr marL="0" lvl="0" indent="0" algn="l" rtl="0">
@@ -10129,10 +10145,42 @@
               <a:buNone/>
             </a:pPr>
             <a:r>
-              <a:rPr lang="en-GB"/>
-              <a:t>x &lt;- imputeTS::na.locf(x, option = "locf", na.remaining = "rev")</a:t>
-            </a:r>
-            <a:endParaRPr/>
+              <a:rPr lang="en-GB" dirty="0"/>
+              <a:t>x &lt;- </a:t>
+            </a:r>
+            <a:r>
+              <a:rPr lang="en-GB" dirty="0" err="1"/>
+              <a:t>imputeTS</a:t>
+            </a:r>
+            <a:r>
+              <a:rPr lang="en-GB" dirty="0"/>
+              <a:t>::</a:t>
+            </a:r>
+            <a:r>
+              <a:rPr lang="en-GB" dirty="0" err="1"/>
+              <a:t>na.locf</a:t>
+            </a:r>
+            <a:r>
+              <a:rPr lang="en-GB" dirty="0"/>
+              <a:t>(x, option = "</a:t>
+            </a:r>
+            <a:r>
+              <a:rPr lang="en-GB" dirty="0" err="1"/>
+              <a:t>locf</a:t>
+            </a:r>
+            <a:r>
+              <a:rPr lang="en-GB" dirty="0"/>
+              <a:t>", </a:t>
+            </a:r>
+            <a:r>
+              <a:rPr lang="en-GB" dirty="0" err="1"/>
+              <a:t>na.remaining</a:t>
+            </a:r>
+            <a:r>
+              <a:rPr lang="en-GB" dirty="0"/>
+              <a:t> = "rev")</a:t>
+            </a:r>
+            <a:endParaRPr dirty="0"/>
           </a:p>
           <a:p>
             <a:pPr marL="0" lvl="0" indent="0" algn="l" rtl="0">
@@ -10145,10 +10193,42 @@
               <a:buNone/>
             </a:pPr>
             <a:r>
-              <a:rPr lang="en-GB"/>
-              <a:t>x &lt;- imputeTS::na.locf(x, option = "nocb", na.remaining = "rev")</a:t>
-            </a:r>
-            <a:endParaRPr/>
+              <a:rPr lang="en-GB" dirty="0"/>
+              <a:t>x &lt;- </a:t>
+            </a:r>
+            <a:r>
+              <a:rPr lang="en-GB" dirty="0" err="1"/>
+              <a:t>imputeTS</a:t>
+            </a:r>
+            <a:r>
+              <a:rPr lang="en-GB" dirty="0"/>
+              <a:t>::</a:t>
+            </a:r>
+            <a:r>
+              <a:rPr lang="en-GB" dirty="0" err="1"/>
+              <a:t>na.locf</a:t>
+            </a:r>
+            <a:r>
+              <a:rPr lang="en-GB" dirty="0"/>
+              <a:t>(x, option = "</a:t>
+            </a:r>
+            <a:r>
+              <a:rPr lang="en-GB" dirty="0" err="1"/>
+              <a:t>nocb</a:t>
+            </a:r>
+            <a:r>
+              <a:rPr lang="en-GB" dirty="0"/>
+              <a:t>", </a:t>
+            </a:r>
+            <a:r>
+              <a:rPr lang="en-GB" dirty="0" err="1"/>
+              <a:t>na.remaining</a:t>
+            </a:r>
+            <a:r>
+              <a:rPr lang="en-GB" dirty="0"/>
+              <a:t> = "rev")</a:t>
+            </a:r>
+            <a:endParaRPr dirty="0"/>
           </a:p>
           <a:p>
             <a:pPr marL="0" lvl="0" indent="0" algn="l" rtl="0">
@@ -10161,10 +10241,10 @@
               <a:buNone/>
             </a:pPr>
             <a:r>
-              <a:rPr lang="en-GB"/>
+              <a:rPr lang="en-GB" dirty="0"/>
               <a:t>#################</a:t>
             </a:r>
-            <a:endParaRPr/>
+            <a:endParaRPr dirty="0"/>
           </a:p>
           <a:p>
             <a:pPr marL="0" lvl="0" indent="0" algn="l" rtl="0">
@@ -10177,10 +10257,18 @@
               <a:buNone/>
             </a:pPr>
             <a:r>
-              <a:rPr lang="en-GB"/>
-              <a:t>data[complete.cases(data), ] # Keep only the complete rows</a:t>
-            </a:r>
-            <a:endParaRPr/>
+              <a:rPr lang="en-GB" dirty="0"/>
+              <a:t>data[</a:t>
+            </a:r>
+            <a:r>
+              <a:rPr lang="en-GB" dirty="0" err="1"/>
+              <a:t>complete.cases</a:t>
+            </a:r>
+            <a:r>
+              <a:rPr lang="en-GB" dirty="0"/>
+              <a:t>(data), ] # Keep only the complete rows</a:t>
+            </a:r>
+            <a:endParaRPr dirty="0"/>
           </a:p>
           <a:p>
             <a:pPr marL="0" lvl="0" indent="0" algn="l" rtl="0">
@@ -10193,38 +10281,34 @@
               <a:buNone/>
             </a:pPr>
             <a:r>
-              <a:rPr lang="en-GB"/>
-              <a:t>data_complete &lt;- data[complete.cases(data), ] # Store the complete cases subset in a  </a:t>
-            </a:r>
-            <a:endParaRPr/>
-          </a:p>
-          <a:p>
-            <a:pPr marL="4114800" lvl="0" indent="0" algn="l" rtl="0">
+              <a:rPr lang="en-GB" dirty="0" err="1"/>
+              <a:t>data_complete</a:t>
+            </a:r>
+            <a:r>
+              <a:rPr lang="en-GB" dirty="0"/>
+              <a:t> &lt;- data[</a:t>
+            </a:r>
+            <a:r>
+              <a:rPr lang="en-GB" dirty="0" err="1"/>
+              <a:t>complete.cases</a:t>
+            </a:r>
+            <a:r>
+              <a:rPr lang="en-GB" dirty="0"/>
+              <a:t>(data), ] # Store the complete cases subset in a new data frame</a:t>
+            </a:r>
+            <a:endParaRPr dirty="0"/>
+          </a:p>
+          <a:p>
+            <a:pPr marL="0" lvl="0" indent="0" algn="l" rtl="0">
               <a:spcBef>
                 <a:spcPts val="1200"/>
               </a:spcBef>
               <a:spcAft>
-                <a:spcPts val="0"/>
-              </a:spcAft>
-              <a:buNone/>
-            </a:pPr>
-            <a:r>
-              <a:rPr lang="en-GB"/>
-              <a:t>new data frame</a:t>
-            </a:r>
-            <a:endParaRPr/>
-          </a:p>
-          <a:p>
-            <a:pPr marL="0" lvl="0" indent="0" algn="l" rtl="0">
-              <a:spcBef>
                 <a:spcPts val="1200"/>
-              </a:spcBef>
-              <a:spcAft>
-                <a:spcPts val="1200"/>
-              </a:spcAft>
-              <a:buNone/>
-            </a:pPr>
-            <a:endParaRPr/>
+              </a:spcAft>
+              <a:buNone/>
+            </a:pPr>
+            <a:endParaRPr dirty="0"/>
           </a:p>
         </p:txBody>
       </p:sp>
@@ -10657,7 +10741,7 @@
             </a:pPr>
             <a:r>
               <a:rPr lang="en-MY" altLang="zh-CN" dirty="0"/>
-              <a:t>Understanding Why we clean data</a:t>
+              <a:t>Understanding why we clean data</a:t>
             </a:r>
           </a:p>
           <a:p>
@@ -10672,15 +10756,7 @@
             </a:pPr>
             <a:r>
               <a:rPr lang="en-MY" dirty="0"/>
-              <a:t>Understand some methods of data cleaning incorporating all the </a:t>
-            </a:r>
-            <a:r>
-              <a:rPr lang="en-MY" dirty="0" err="1"/>
-              <a:t>methds</a:t>
-            </a:r>
-            <a:r>
-              <a:rPr lang="en-MY" dirty="0"/>
-              <a:t> learnt in the previous workshops</a:t>
+              <a:t>Understand some methods of data cleaning incorporating all the methods learnt in the previous workshops</a:t>
             </a:r>
           </a:p>
           <a:p>
@@ -10800,7 +10876,7 @@
         </p:spPr>
         <p:txBody>
           <a:bodyPr spcFirstLastPara="1" wrap="square" lIns="91425" tIns="91425" rIns="91425" bIns="91425" anchor="t" anchorCtr="0">
-            <a:normAutofit fontScale="92500"/>
+            <a:normAutofit fontScale="92500" lnSpcReduction="20000"/>
           </a:bodyPr>
           <a:lstStyle/>
           <a:p>
@@ -10907,7 +10983,7 @@
             </a:pPr>
             <a:r>
               <a:rPr lang="en-GB" dirty="0"/>
-              <a:t>&gt; pow(2,3) ##calculate 2^3</a:t>
+              <a:t>&gt; pow(4,3) ##calculate 2^3</a:t>
             </a:r>
             <a:endParaRPr dirty="0"/>
           </a:p>
@@ -10923,7 +10999,7 @@
             </a:pPr>
             <a:r>
               <a:rPr lang="en-GB" dirty="0"/>
-              <a:t>	8 </a:t>
+              <a:t>	2 raise to the power of 3 is 8 </a:t>
             </a:r>
             <a:endParaRPr dirty="0"/>
           </a:p>
@@ -11882,7 +11958,7 @@
             </a:pPr>
             <a:r>
               <a:rPr lang="en-US" sz="2400" dirty="0"/>
-              <a:t>4. What's Data type, what's data structure</a:t>
+              <a:t>4. What’s data type, what's data structure</a:t>
             </a:r>
           </a:p>
           <a:p>
@@ -12010,7 +12086,7 @@
             </a:pPr>
             <a:r>
               <a:rPr lang="en-US" sz="2000" dirty="0"/>
-              <a:t>7. How to Draw a plot in </a:t>
+              <a:t>7. How to draw a plot in </a:t>
             </a:r>
             <a:r>
               <a:rPr lang="en-US" sz="2000" dirty="0" err="1"/>
